--- a/BirBaro.pptx
+++ b/BirBaro.pptx
@@ -7,6 +7,7 @@
   <p:sldIdLst>
     <p:sldId id="257" r:id="rId2"/>
     <p:sldId id="258" r:id="rId3"/>
+    <p:sldId id="259" r:id="rId4"/>
   </p:sldIdLst>
   <p:sldSz cx="12192000" cy="6858000"/>
   <p:notesSz cx="6858000" cy="9144000"/>
@@ -4221,10 +4222,1709 @@
           </a:p>
         </p:txBody>
       </p:sp>
+      <p:sp>
+        <p:nvSpPr>
+          <p:cNvPr id="3" name="Rectangle: Rounded Corners 2">
+            <a:extLst>
+              <a:ext uri="{FF2B5EF4-FFF2-40B4-BE49-F238E27FC236}">
+                <a16:creationId xmlns:a16="http://schemas.microsoft.com/office/drawing/2014/main" id="{2DBA28EF-F890-4ABC-A68A-B4ECCDE2B863}"/>
+              </a:ext>
+            </a:extLst>
+          </p:cNvPr>
+          <p:cNvSpPr/>
+          <p:nvPr/>
+        </p:nvSpPr>
+        <p:spPr>
+          <a:xfrm>
+            <a:off x="4997884" y="175364"/>
+            <a:ext cx="1098115" cy="611019"/>
+          </a:xfrm>
+          <a:prstGeom prst="roundRect">
+            <a:avLst/>
+          </a:prstGeom>
+        </p:spPr>
+        <p:style>
+          <a:lnRef idx="2">
+            <a:schemeClr val="dk1">
+              <a:shade val="50000"/>
+            </a:schemeClr>
+          </a:lnRef>
+          <a:fillRef idx="1">
+            <a:schemeClr val="dk1"/>
+          </a:fillRef>
+          <a:effectRef idx="0">
+            <a:schemeClr val="dk1"/>
+          </a:effectRef>
+          <a:fontRef idx="minor">
+            <a:schemeClr val="lt1"/>
+          </a:fontRef>
+        </p:style>
+        <p:txBody>
+          <a:bodyPr rtlCol="0" anchor="ctr"/>
+          <a:lstStyle/>
+          <a:p>
+            <a:pPr algn="ctr"/>
+            <a:r>
+              <a:rPr lang="da-DK" dirty="0"/>
+              <a:t>Access Website</a:t>
+            </a:r>
+            <a:endParaRPr lang="en-GB" dirty="0"/>
+          </a:p>
+        </p:txBody>
+      </p:sp>
+      <p:sp>
+        <p:nvSpPr>
+          <p:cNvPr id="6" name="Rectangle 5">
+            <a:extLst>
+              <a:ext uri="{FF2B5EF4-FFF2-40B4-BE49-F238E27FC236}">
+                <a16:creationId xmlns:a16="http://schemas.microsoft.com/office/drawing/2014/main" id="{35A8262E-9FA0-4A7F-A9AE-CD4D6363F2D4}"/>
+              </a:ext>
+            </a:extLst>
+          </p:cNvPr>
+          <p:cNvSpPr/>
+          <p:nvPr/>
+        </p:nvSpPr>
+        <p:spPr>
+          <a:xfrm>
+            <a:off x="6728410" y="175361"/>
+            <a:ext cx="1098115" cy="611019"/>
+          </a:xfrm>
+          <a:prstGeom prst="rect">
+            <a:avLst/>
+          </a:prstGeom>
+        </p:spPr>
+        <p:style>
+          <a:lnRef idx="2">
+            <a:schemeClr val="dk1">
+              <a:shade val="50000"/>
+            </a:schemeClr>
+          </a:lnRef>
+          <a:fillRef idx="1">
+            <a:schemeClr val="dk1"/>
+          </a:fillRef>
+          <a:effectRef idx="0">
+            <a:schemeClr val="dk1"/>
+          </a:effectRef>
+          <a:fontRef idx="minor">
+            <a:schemeClr val="lt1"/>
+          </a:fontRef>
+        </p:style>
+        <p:txBody>
+          <a:bodyPr rtlCol="0" anchor="ctr"/>
+          <a:lstStyle/>
+          <a:p>
+            <a:pPr algn="ctr"/>
+            <a:r>
+              <a:rPr lang="da-DK" dirty="0"/>
+              <a:t>Landing Page</a:t>
+            </a:r>
+            <a:endParaRPr lang="en-GB" dirty="0"/>
+          </a:p>
+        </p:txBody>
+      </p:sp>
+      <p:cxnSp>
+        <p:nvCxnSpPr>
+          <p:cNvPr id="12" name="Connector: Elbow 11">
+            <a:extLst>
+              <a:ext uri="{FF2B5EF4-FFF2-40B4-BE49-F238E27FC236}">
+                <a16:creationId xmlns:a16="http://schemas.microsoft.com/office/drawing/2014/main" id="{EC477E9E-4994-4B2F-86EF-AA327FF0FE57}"/>
+              </a:ext>
+            </a:extLst>
+          </p:cNvPr>
+          <p:cNvCxnSpPr>
+            <a:stCxn id="3" idx="3"/>
+            <a:endCxn id="6" idx="1"/>
+          </p:cNvCxnSpPr>
+          <p:nvPr/>
+        </p:nvCxnSpPr>
+        <p:spPr>
+          <a:xfrm flipV="1">
+            <a:off x="6095999" y="480871"/>
+            <a:ext cx="632411" cy="3"/>
+          </a:xfrm>
+          <a:prstGeom prst="bentConnector3">
+            <a:avLst/>
+          </a:prstGeom>
+          <a:ln>
+            <a:tailEnd type="triangle"/>
+          </a:ln>
+        </p:spPr>
+        <p:style>
+          <a:lnRef idx="1">
+            <a:schemeClr val="dk1"/>
+          </a:lnRef>
+          <a:fillRef idx="0">
+            <a:schemeClr val="dk1"/>
+          </a:fillRef>
+          <a:effectRef idx="0">
+            <a:schemeClr val="dk1"/>
+          </a:effectRef>
+          <a:fontRef idx="minor">
+            <a:schemeClr val="tx1"/>
+          </a:fontRef>
+        </p:style>
+      </p:cxnSp>
+      <p:cxnSp>
+        <p:nvCxnSpPr>
+          <p:cNvPr id="14" name="Connector: Elbow 13">
+            <a:extLst>
+              <a:ext uri="{FF2B5EF4-FFF2-40B4-BE49-F238E27FC236}">
+                <a16:creationId xmlns:a16="http://schemas.microsoft.com/office/drawing/2014/main" id="{FC93E2C7-7772-4E07-B732-59D8DB9F764E}"/>
+              </a:ext>
+            </a:extLst>
+          </p:cNvPr>
+          <p:cNvCxnSpPr>
+            <a:cxnSpLocks/>
+            <a:stCxn id="6" idx="3"/>
+          </p:cNvCxnSpPr>
+          <p:nvPr/>
+        </p:nvCxnSpPr>
+        <p:spPr>
+          <a:xfrm>
+            <a:off x="7826525" y="480871"/>
+            <a:ext cx="632411" cy="1"/>
+          </a:xfrm>
+          <a:prstGeom prst="bentConnector3">
+            <a:avLst/>
+          </a:prstGeom>
+          <a:ln>
+            <a:tailEnd type="triangle"/>
+          </a:ln>
+        </p:spPr>
+        <p:style>
+          <a:lnRef idx="1">
+            <a:schemeClr val="dk1"/>
+          </a:lnRef>
+          <a:fillRef idx="0">
+            <a:schemeClr val="dk1"/>
+          </a:fillRef>
+          <a:effectRef idx="0">
+            <a:schemeClr val="dk1"/>
+          </a:effectRef>
+          <a:fontRef idx="minor">
+            <a:schemeClr val="tx1"/>
+          </a:fontRef>
+        </p:style>
+      </p:cxnSp>
+      <p:sp>
+        <p:nvSpPr>
+          <p:cNvPr id="58" name="Rectangle 57">
+            <a:extLst>
+              <a:ext uri="{FF2B5EF4-FFF2-40B4-BE49-F238E27FC236}">
+                <a16:creationId xmlns:a16="http://schemas.microsoft.com/office/drawing/2014/main" id="{0F502E26-B587-47BB-BA39-4F03D07D521A}"/>
+              </a:ext>
+            </a:extLst>
+          </p:cNvPr>
+          <p:cNvSpPr/>
+          <p:nvPr/>
+        </p:nvSpPr>
+        <p:spPr>
+          <a:xfrm>
+            <a:off x="10189462" y="191065"/>
+            <a:ext cx="1098115" cy="611019"/>
+          </a:xfrm>
+          <a:prstGeom prst="rect">
+            <a:avLst/>
+          </a:prstGeom>
+        </p:spPr>
+        <p:style>
+          <a:lnRef idx="2">
+            <a:schemeClr val="dk1">
+              <a:shade val="50000"/>
+            </a:schemeClr>
+          </a:lnRef>
+          <a:fillRef idx="1">
+            <a:schemeClr val="dk1"/>
+          </a:fillRef>
+          <a:effectRef idx="0">
+            <a:schemeClr val="dk1"/>
+          </a:effectRef>
+          <a:fontRef idx="minor">
+            <a:schemeClr val="lt1"/>
+          </a:fontRef>
+        </p:style>
+        <p:txBody>
+          <a:bodyPr rtlCol="0" anchor="ctr"/>
+          <a:lstStyle/>
+          <a:p>
+            <a:pPr algn="ctr"/>
+            <a:r>
+              <a:rPr lang="da-DK" dirty="0"/>
+              <a:t>Timings</a:t>
+            </a:r>
+            <a:endParaRPr lang="en-GB" dirty="0"/>
+          </a:p>
+        </p:txBody>
+      </p:sp>
+      <p:sp>
+        <p:nvSpPr>
+          <p:cNvPr id="59" name="Rectangle 58">
+            <a:extLst>
+              <a:ext uri="{FF2B5EF4-FFF2-40B4-BE49-F238E27FC236}">
+                <a16:creationId xmlns:a16="http://schemas.microsoft.com/office/drawing/2014/main" id="{2A7463B5-8B27-4039-8B06-6BB12F09F148}"/>
+              </a:ext>
+            </a:extLst>
+          </p:cNvPr>
+          <p:cNvSpPr/>
+          <p:nvPr/>
+        </p:nvSpPr>
+        <p:spPr>
+          <a:xfrm>
+            <a:off x="4988560" y="1833370"/>
+            <a:ext cx="1098115" cy="611019"/>
+          </a:xfrm>
+          <a:prstGeom prst="rect">
+            <a:avLst/>
+          </a:prstGeom>
+        </p:spPr>
+        <p:style>
+          <a:lnRef idx="2">
+            <a:schemeClr val="dk1">
+              <a:shade val="50000"/>
+            </a:schemeClr>
+          </a:lnRef>
+          <a:fillRef idx="1">
+            <a:schemeClr val="dk1"/>
+          </a:fillRef>
+          <a:effectRef idx="0">
+            <a:schemeClr val="dk1"/>
+          </a:effectRef>
+          <a:fontRef idx="minor">
+            <a:schemeClr val="lt1"/>
+          </a:fontRef>
+        </p:style>
+        <p:txBody>
+          <a:bodyPr rtlCol="0" anchor="ctr"/>
+          <a:lstStyle/>
+          <a:p>
+            <a:pPr algn="ctr"/>
+            <a:r>
+              <a:rPr lang="da-DK" dirty="0"/>
+              <a:t>Type</a:t>
+            </a:r>
+            <a:endParaRPr lang="en-GB" dirty="0"/>
+          </a:p>
+        </p:txBody>
+      </p:sp>
+      <p:sp>
+        <p:nvSpPr>
+          <p:cNvPr id="60" name="Rectangle 59">
+            <a:extLst>
+              <a:ext uri="{FF2B5EF4-FFF2-40B4-BE49-F238E27FC236}">
+                <a16:creationId xmlns:a16="http://schemas.microsoft.com/office/drawing/2014/main" id="{62AFB9CB-0EA0-4167-95ED-B942C45359A1}"/>
+              </a:ext>
+            </a:extLst>
+          </p:cNvPr>
+          <p:cNvSpPr/>
+          <p:nvPr/>
+        </p:nvSpPr>
+        <p:spPr>
+          <a:xfrm>
+            <a:off x="6728410" y="1833370"/>
+            <a:ext cx="1098115" cy="611019"/>
+          </a:xfrm>
+          <a:prstGeom prst="rect">
+            <a:avLst/>
+          </a:prstGeom>
+        </p:spPr>
+        <p:style>
+          <a:lnRef idx="2">
+            <a:schemeClr val="dk1">
+              <a:shade val="50000"/>
+            </a:schemeClr>
+          </a:lnRef>
+          <a:fillRef idx="1">
+            <a:schemeClr val="dk1"/>
+          </a:fillRef>
+          <a:effectRef idx="0">
+            <a:schemeClr val="dk1"/>
+          </a:effectRef>
+          <a:fontRef idx="minor">
+            <a:schemeClr val="lt1"/>
+          </a:fontRef>
+        </p:style>
+        <p:txBody>
+          <a:bodyPr rtlCol="0" anchor="ctr"/>
+          <a:lstStyle/>
+          <a:p>
+            <a:pPr algn="ctr"/>
+            <a:r>
+              <a:rPr lang="da-DK" dirty="0"/>
+              <a:t>Level</a:t>
+            </a:r>
+            <a:endParaRPr lang="en-GB" dirty="0"/>
+          </a:p>
+        </p:txBody>
+      </p:sp>
+      <p:sp>
+        <p:nvSpPr>
+          <p:cNvPr id="61" name="Rectangle 60">
+            <a:extLst>
+              <a:ext uri="{FF2B5EF4-FFF2-40B4-BE49-F238E27FC236}">
+                <a16:creationId xmlns:a16="http://schemas.microsoft.com/office/drawing/2014/main" id="{2DF1A06E-81EA-41C0-8C53-942ED27B6441}"/>
+              </a:ext>
+            </a:extLst>
+          </p:cNvPr>
+          <p:cNvSpPr/>
+          <p:nvPr/>
+        </p:nvSpPr>
+        <p:spPr>
+          <a:xfrm>
+            <a:off x="8458935" y="1833369"/>
+            <a:ext cx="1098115" cy="611019"/>
+          </a:xfrm>
+          <a:prstGeom prst="rect">
+            <a:avLst/>
+          </a:prstGeom>
+        </p:spPr>
+        <p:style>
+          <a:lnRef idx="2">
+            <a:schemeClr val="dk1">
+              <a:shade val="50000"/>
+            </a:schemeClr>
+          </a:lnRef>
+          <a:fillRef idx="1">
+            <a:schemeClr val="dk1"/>
+          </a:fillRef>
+          <a:effectRef idx="0">
+            <a:schemeClr val="dk1"/>
+          </a:effectRef>
+          <a:fontRef idx="minor">
+            <a:schemeClr val="lt1"/>
+          </a:fontRef>
+        </p:style>
+        <p:txBody>
+          <a:bodyPr rtlCol="0" anchor="ctr"/>
+          <a:lstStyle/>
+          <a:p>
+            <a:pPr algn="ctr"/>
+            <a:r>
+              <a:rPr lang="da-DK" dirty="0"/>
+              <a:t>Program</a:t>
+            </a:r>
+            <a:endParaRPr lang="en-GB" dirty="0"/>
+          </a:p>
+        </p:txBody>
+      </p:sp>
+      <p:sp>
+        <p:nvSpPr>
+          <p:cNvPr id="62" name="Rectangle 61">
+            <a:extLst>
+              <a:ext uri="{FF2B5EF4-FFF2-40B4-BE49-F238E27FC236}">
+                <a16:creationId xmlns:a16="http://schemas.microsoft.com/office/drawing/2014/main" id="{49491105-EC4D-4369-B7E4-34965F4EFF51}"/>
+              </a:ext>
+            </a:extLst>
+          </p:cNvPr>
+          <p:cNvSpPr/>
+          <p:nvPr/>
+        </p:nvSpPr>
+        <p:spPr>
+          <a:xfrm>
+            <a:off x="8458936" y="175361"/>
+            <a:ext cx="1098115" cy="611019"/>
+          </a:xfrm>
+          <a:prstGeom prst="rect">
+            <a:avLst/>
+          </a:prstGeom>
+        </p:spPr>
+        <p:style>
+          <a:lnRef idx="2">
+            <a:schemeClr val="dk1">
+              <a:shade val="50000"/>
+            </a:schemeClr>
+          </a:lnRef>
+          <a:fillRef idx="1">
+            <a:schemeClr val="dk1"/>
+          </a:fillRef>
+          <a:effectRef idx="0">
+            <a:schemeClr val="dk1"/>
+          </a:effectRef>
+          <a:fontRef idx="minor">
+            <a:schemeClr val="lt1"/>
+          </a:fontRef>
+        </p:style>
+        <p:txBody>
+          <a:bodyPr rtlCol="0" anchor="ctr"/>
+          <a:lstStyle/>
+          <a:p>
+            <a:pPr algn="ctr"/>
+            <a:r>
+              <a:rPr lang="da-DK" dirty="0"/>
+              <a:t>Equipm</a:t>
+            </a:r>
+            <a:endParaRPr lang="en-GB" dirty="0"/>
+          </a:p>
+        </p:txBody>
+      </p:sp>
+      <p:sp>
+        <p:nvSpPr>
+          <p:cNvPr id="63" name="Rectangle 62">
+            <a:extLst>
+              <a:ext uri="{FF2B5EF4-FFF2-40B4-BE49-F238E27FC236}">
+                <a16:creationId xmlns:a16="http://schemas.microsoft.com/office/drawing/2014/main" id="{80269D29-703D-42C2-B0FE-1A95C24AEE2F}"/>
+              </a:ext>
+            </a:extLst>
+          </p:cNvPr>
+          <p:cNvSpPr/>
+          <p:nvPr/>
+        </p:nvSpPr>
+        <p:spPr>
+          <a:xfrm>
+            <a:off x="10189460" y="1833368"/>
+            <a:ext cx="1098115" cy="611019"/>
+          </a:xfrm>
+          <a:prstGeom prst="rect">
+            <a:avLst/>
+          </a:prstGeom>
+        </p:spPr>
+        <p:style>
+          <a:lnRef idx="2">
+            <a:schemeClr val="dk1">
+              <a:shade val="50000"/>
+            </a:schemeClr>
+          </a:lnRef>
+          <a:fillRef idx="1">
+            <a:schemeClr val="dk1"/>
+          </a:fillRef>
+          <a:effectRef idx="0">
+            <a:schemeClr val="dk1"/>
+          </a:effectRef>
+          <a:fontRef idx="minor">
+            <a:schemeClr val="lt1"/>
+          </a:fontRef>
+        </p:style>
+        <p:txBody>
+          <a:bodyPr rtlCol="0" anchor="ctr"/>
+          <a:lstStyle/>
+          <a:p>
+            <a:pPr algn="ctr"/>
+            <a:r>
+              <a:rPr lang="da-DK" dirty="0"/>
+              <a:t>Initialise</a:t>
+            </a:r>
+            <a:endParaRPr lang="en-GB" dirty="0"/>
+          </a:p>
+        </p:txBody>
+      </p:sp>
+      <p:sp>
+        <p:nvSpPr>
+          <p:cNvPr id="64" name="Rectangle 63">
+            <a:extLst>
+              <a:ext uri="{FF2B5EF4-FFF2-40B4-BE49-F238E27FC236}">
+                <a16:creationId xmlns:a16="http://schemas.microsoft.com/office/drawing/2014/main" id="{61548CBE-AA19-4604-AC63-1C8DB0C22D08}"/>
+              </a:ext>
+            </a:extLst>
+          </p:cNvPr>
+          <p:cNvSpPr/>
+          <p:nvPr/>
+        </p:nvSpPr>
+        <p:spPr>
+          <a:xfrm>
+            <a:off x="4997884" y="3491376"/>
+            <a:ext cx="1098115" cy="611019"/>
+          </a:xfrm>
+          <a:prstGeom prst="rect">
+            <a:avLst/>
+          </a:prstGeom>
+        </p:spPr>
+        <p:style>
+          <a:lnRef idx="2">
+            <a:schemeClr val="dk1">
+              <a:shade val="50000"/>
+            </a:schemeClr>
+          </a:lnRef>
+          <a:fillRef idx="1">
+            <a:schemeClr val="dk1"/>
+          </a:fillRef>
+          <a:effectRef idx="0">
+            <a:schemeClr val="dk1"/>
+          </a:effectRef>
+          <a:fontRef idx="minor">
+            <a:schemeClr val="lt1"/>
+          </a:fontRef>
+        </p:style>
+        <p:txBody>
+          <a:bodyPr rtlCol="0" anchor="ctr"/>
+          <a:lstStyle/>
+          <a:p>
+            <a:pPr algn="ctr"/>
+            <a:r>
+              <a:rPr lang="da-DK" dirty="0"/>
+              <a:t>Adjust</a:t>
+            </a:r>
+            <a:endParaRPr lang="en-GB" dirty="0"/>
+          </a:p>
+        </p:txBody>
+      </p:sp>
+      <p:sp>
+        <p:nvSpPr>
+          <p:cNvPr id="67" name="Rectangle: Rounded Corners 66">
+            <a:extLst>
+              <a:ext uri="{FF2B5EF4-FFF2-40B4-BE49-F238E27FC236}">
+                <a16:creationId xmlns:a16="http://schemas.microsoft.com/office/drawing/2014/main" id="{217FF19F-6D21-489A-B30B-BF883FC09C7F}"/>
+              </a:ext>
+            </a:extLst>
+          </p:cNvPr>
+          <p:cNvSpPr/>
+          <p:nvPr/>
+        </p:nvSpPr>
+        <p:spPr>
+          <a:xfrm>
+            <a:off x="6728410" y="3491375"/>
+            <a:ext cx="1098115" cy="611019"/>
+          </a:xfrm>
+          <a:prstGeom prst="roundRect">
+            <a:avLst/>
+          </a:prstGeom>
+        </p:spPr>
+        <p:style>
+          <a:lnRef idx="2">
+            <a:schemeClr val="dk1">
+              <a:shade val="50000"/>
+            </a:schemeClr>
+          </a:lnRef>
+          <a:fillRef idx="1">
+            <a:schemeClr val="dk1"/>
+          </a:fillRef>
+          <a:effectRef idx="0">
+            <a:schemeClr val="dk1"/>
+          </a:effectRef>
+          <a:fontRef idx="minor">
+            <a:schemeClr val="lt1"/>
+          </a:fontRef>
+        </p:style>
+        <p:txBody>
+          <a:bodyPr rtlCol="0" anchor="ctr"/>
+          <a:lstStyle/>
+          <a:p>
+            <a:pPr algn="ctr"/>
+            <a:r>
+              <a:rPr lang="da-DK" dirty="0"/>
+              <a:t>Stats</a:t>
+            </a:r>
+            <a:endParaRPr lang="en-GB" dirty="0"/>
+          </a:p>
+        </p:txBody>
+      </p:sp>
+      <p:cxnSp>
+        <p:nvCxnSpPr>
+          <p:cNvPr id="69" name="Straight Arrow Connector 68">
+            <a:extLst>
+              <a:ext uri="{FF2B5EF4-FFF2-40B4-BE49-F238E27FC236}">
+                <a16:creationId xmlns:a16="http://schemas.microsoft.com/office/drawing/2014/main" id="{5CDB3CC5-F5A0-4E69-9591-8FC7DFE9E2C0}"/>
+              </a:ext>
+            </a:extLst>
+          </p:cNvPr>
+          <p:cNvCxnSpPr>
+            <a:stCxn id="62" idx="3"/>
+            <a:endCxn id="58" idx="1"/>
+          </p:cNvCxnSpPr>
+          <p:nvPr/>
+        </p:nvCxnSpPr>
+        <p:spPr>
+          <a:xfrm>
+            <a:off x="9557051" y="480871"/>
+            <a:ext cx="632411" cy="15704"/>
+          </a:xfrm>
+          <a:prstGeom prst="straightConnector1">
+            <a:avLst/>
+          </a:prstGeom>
+          <a:ln>
+            <a:tailEnd type="triangle"/>
+          </a:ln>
+        </p:spPr>
+        <p:style>
+          <a:lnRef idx="1">
+            <a:schemeClr val="dk1"/>
+          </a:lnRef>
+          <a:fillRef idx="0">
+            <a:schemeClr val="dk1"/>
+          </a:fillRef>
+          <a:effectRef idx="0">
+            <a:schemeClr val="dk1"/>
+          </a:effectRef>
+          <a:fontRef idx="minor">
+            <a:schemeClr val="tx1"/>
+          </a:fontRef>
+        </p:style>
+      </p:cxnSp>
+      <p:cxnSp>
+        <p:nvCxnSpPr>
+          <p:cNvPr id="71" name="Straight Arrow Connector 70">
+            <a:extLst>
+              <a:ext uri="{FF2B5EF4-FFF2-40B4-BE49-F238E27FC236}">
+                <a16:creationId xmlns:a16="http://schemas.microsoft.com/office/drawing/2014/main" id="{8C9BB0BC-4750-4CF0-BED2-ACCEED98F0E4}"/>
+              </a:ext>
+            </a:extLst>
+          </p:cNvPr>
+          <p:cNvCxnSpPr>
+            <a:cxnSpLocks/>
+            <a:stCxn id="59" idx="3"/>
+            <a:endCxn id="60" idx="1"/>
+          </p:cNvCxnSpPr>
+          <p:nvPr/>
+        </p:nvCxnSpPr>
+        <p:spPr>
+          <a:xfrm>
+            <a:off x="6086675" y="2138880"/>
+            <a:ext cx="641735" cy="0"/>
+          </a:xfrm>
+          <a:prstGeom prst="straightConnector1">
+            <a:avLst/>
+          </a:prstGeom>
+          <a:ln>
+            <a:tailEnd type="triangle"/>
+          </a:ln>
+        </p:spPr>
+        <p:style>
+          <a:lnRef idx="1">
+            <a:schemeClr val="dk1"/>
+          </a:lnRef>
+          <a:fillRef idx="0">
+            <a:schemeClr val="dk1"/>
+          </a:fillRef>
+          <a:effectRef idx="0">
+            <a:schemeClr val="dk1"/>
+          </a:effectRef>
+          <a:fontRef idx="minor">
+            <a:schemeClr val="tx1"/>
+          </a:fontRef>
+        </p:style>
+      </p:cxnSp>
+      <p:cxnSp>
+        <p:nvCxnSpPr>
+          <p:cNvPr id="73" name="Straight Arrow Connector 72">
+            <a:extLst>
+              <a:ext uri="{FF2B5EF4-FFF2-40B4-BE49-F238E27FC236}">
+                <a16:creationId xmlns:a16="http://schemas.microsoft.com/office/drawing/2014/main" id="{A5C055E2-6AA8-4B89-BD08-13C4B711B719}"/>
+              </a:ext>
+            </a:extLst>
+          </p:cNvPr>
+          <p:cNvCxnSpPr>
+            <a:stCxn id="60" idx="3"/>
+            <a:endCxn id="61" idx="1"/>
+          </p:cNvCxnSpPr>
+          <p:nvPr/>
+        </p:nvCxnSpPr>
+        <p:spPr>
+          <a:xfrm flipV="1">
+            <a:off x="7826525" y="2138879"/>
+            <a:ext cx="632410" cy="1"/>
+          </a:xfrm>
+          <a:prstGeom prst="straightConnector1">
+            <a:avLst/>
+          </a:prstGeom>
+          <a:ln>
+            <a:tailEnd type="triangle"/>
+          </a:ln>
+        </p:spPr>
+        <p:style>
+          <a:lnRef idx="1">
+            <a:schemeClr val="dk1"/>
+          </a:lnRef>
+          <a:fillRef idx="0">
+            <a:schemeClr val="dk1"/>
+          </a:fillRef>
+          <a:effectRef idx="0">
+            <a:schemeClr val="dk1"/>
+          </a:effectRef>
+          <a:fontRef idx="minor">
+            <a:schemeClr val="tx1"/>
+          </a:fontRef>
+        </p:style>
+      </p:cxnSp>
+      <p:cxnSp>
+        <p:nvCxnSpPr>
+          <p:cNvPr id="75" name="Straight Arrow Connector 74">
+            <a:extLst>
+              <a:ext uri="{FF2B5EF4-FFF2-40B4-BE49-F238E27FC236}">
+                <a16:creationId xmlns:a16="http://schemas.microsoft.com/office/drawing/2014/main" id="{0D1CC0E4-4DF3-4E49-AA42-D80E8CF1EE50}"/>
+              </a:ext>
+            </a:extLst>
+          </p:cNvPr>
+          <p:cNvCxnSpPr>
+            <a:stCxn id="61" idx="3"/>
+            <a:endCxn id="63" idx="1"/>
+          </p:cNvCxnSpPr>
+          <p:nvPr/>
+        </p:nvCxnSpPr>
+        <p:spPr>
+          <a:xfrm flipV="1">
+            <a:off x="9557050" y="2138878"/>
+            <a:ext cx="632410" cy="1"/>
+          </a:xfrm>
+          <a:prstGeom prst="straightConnector1">
+            <a:avLst/>
+          </a:prstGeom>
+          <a:ln>
+            <a:tailEnd type="triangle"/>
+          </a:ln>
+        </p:spPr>
+        <p:style>
+          <a:lnRef idx="1">
+            <a:schemeClr val="dk1"/>
+          </a:lnRef>
+          <a:fillRef idx="0">
+            <a:schemeClr val="dk1"/>
+          </a:fillRef>
+          <a:effectRef idx="0">
+            <a:schemeClr val="dk1"/>
+          </a:effectRef>
+          <a:fontRef idx="minor">
+            <a:schemeClr val="tx1"/>
+          </a:fontRef>
+        </p:style>
+      </p:cxnSp>
+      <p:cxnSp>
+        <p:nvCxnSpPr>
+          <p:cNvPr id="77" name="Straight Arrow Connector 76">
+            <a:extLst>
+              <a:ext uri="{FF2B5EF4-FFF2-40B4-BE49-F238E27FC236}">
+                <a16:creationId xmlns:a16="http://schemas.microsoft.com/office/drawing/2014/main" id="{7BC3612A-478C-4599-B0F7-30701134EB2C}"/>
+              </a:ext>
+            </a:extLst>
+          </p:cNvPr>
+          <p:cNvCxnSpPr>
+            <a:stCxn id="64" idx="3"/>
+            <a:endCxn id="67" idx="1"/>
+          </p:cNvCxnSpPr>
+          <p:nvPr/>
+        </p:nvCxnSpPr>
+        <p:spPr>
+          <a:xfrm flipV="1">
+            <a:off x="6095999" y="3796885"/>
+            <a:ext cx="632411" cy="1"/>
+          </a:xfrm>
+          <a:prstGeom prst="straightConnector1">
+            <a:avLst/>
+          </a:prstGeom>
+          <a:ln>
+            <a:tailEnd type="triangle"/>
+          </a:ln>
+        </p:spPr>
+        <p:style>
+          <a:lnRef idx="1">
+            <a:schemeClr val="dk1"/>
+          </a:lnRef>
+          <a:fillRef idx="0">
+            <a:schemeClr val="dk1"/>
+          </a:fillRef>
+          <a:effectRef idx="0">
+            <a:schemeClr val="dk1"/>
+          </a:effectRef>
+          <a:fontRef idx="minor">
+            <a:schemeClr val="tx1"/>
+          </a:fontRef>
+        </p:style>
+      </p:cxnSp>
+      <p:cxnSp>
+        <p:nvCxnSpPr>
+          <p:cNvPr id="80" name="Connector: Elbow 79">
+            <a:extLst>
+              <a:ext uri="{FF2B5EF4-FFF2-40B4-BE49-F238E27FC236}">
+                <a16:creationId xmlns:a16="http://schemas.microsoft.com/office/drawing/2014/main" id="{DC2811F6-72DD-4C8B-B94E-B332D90DD2AD}"/>
+              </a:ext>
+            </a:extLst>
+          </p:cNvPr>
+          <p:cNvCxnSpPr>
+            <a:stCxn id="58" idx="2"/>
+            <a:endCxn id="59" idx="0"/>
+          </p:cNvCxnSpPr>
+          <p:nvPr/>
+        </p:nvCxnSpPr>
+        <p:spPr>
+          <a:xfrm rot="5400000">
+            <a:off x="7622426" y="-1282724"/>
+            <a:ext cx="1031286" cy="5200902"/>
+          </a:xfrm>
+          <a:prstGeom prst="bentConnector3">
+            <a:avLst/>
+          </a:prstGeom>
+          <a:ln>
+            <a:tailEnd type="triangle"/>
+          </a:ln>
+        </p:spPr>
+        <p:style>
+          <a:lnRef idx="1">
+            <a:schemeClr val="dk1"/>
+          </a:lnRef>
+          <a:fillRef idx="0">
+            <a:schemeClr val="dk1"/>
+          </a:fillRef>
+          <a:effectRef idx="0">
+            <a:schemeClr val="dk1"/>
+          </a:effectRef>
+          <a:fontRef idx="minor">
+            <a:schemeClr val="tx1"/>
+          </a:fontRef>
+        </p:style>
+      </p:cxnSp>
+      <p:cxnSp>
+        <p:nvCxnSpPr>
+          <p:cNvPr id="82" name="Connector: Elbow 81">
+            <a:extLst>
+              <a:ext uri="{FF2B5EF4-FFF2-40B4-BE49-F238E27FC236}">
+                <a16:creationId xmlns:a16="http://schemas.microsoft.com/office/drawing/2014/main" id="{8B7BE565-2F37-4D67-BD89-5B48AB3344ED}"/>
+              </a:ext>
+            </a:extLst>
+          </p:cNvPr>
+          <p:cNvCxnSpPr>
+            <a:stCxn id="63" idx="2"/>
+            <a:endCxn id="64" idx="0"/>
+          </p:cNvCxnSpPr>
+          <p:nvPr/>
+        </p:nvCxnSpPr>
+        <p:spPr>
+          <a:xfrm rot="5400000">
+            <a:off x="7619236" y="372093"/>
+            <a:ext cx="1046989" cy="5191576"/>
+          </a:xfrm>
+          <a:prstGeom prst="bentConnector3">
+            <a:avLst/>
+          </a:prstGeom>
+          <a:ln>
+            <a:tailEnd type="triangle"/>
+          </a:ln>
+        </p:spPr>
+        <p:style>
+          <a:lnRef idx="1">
+            <a:schemeClr val="dk1"/>
+          </a:lnRef>
+          <a:fillRef idx="0">
+            <a:schemeClr val="dk1"/>
+          </a:fillRef>
+          <a:effectRef idx="0">
+            <a:schemeClr val="dk1"/>
+          </a:effectRef>
+          <a:fontRef idx="minor">
+            <a:schemeClr val="tx1"/>
+          </a:fontRef>
+        </p:style>
+      </p:cxnSp>
     </p:spTree>
     <p:extLst>
       <p:ext uri="{BB962C8B-B14F-4D97-AF65-F5344CB8AC3E}">
         <p14:creationId xmlns:p14="http://schemas.microsoft.com/office/powerpoint/2010/main" val="1713515189"/>
+      </p:ext>
+    </p:extLst>
+  </p:cSld>
+  <p:clrMapOvr>
+    <a:masterClrMapping/>
+  </p:clrMapOvr>
+</p:sld>
+</file>
+
+<file path=ppt/slides/slide3.xml><?xml version="1.0" encoding="utf-8"?>
+<p:sld xmlns:a="http://schemas.openxmlformats.org/drawingml/2006/main" xmlns:r="http://schemas.openxmlformats.org/officeDocument/2006/relationships" xmlns:p="http://schemas.openxmlformats.org/presentationml/2006/main">
+  <p:cSld>
+    <p:spTree>
+      <p:nvGrpSpPr>
+        <p:cNvPr id="1" name=""/>
+        <p:cNvGrpSpPr/>
+        <p:nvPr/>
+      </p:nvGrpSpPr>
+      <p:grpSpPr>
+        <a:xfrm>
+          <a:off x="0" y="0"/>
+          <a:ext cx="0" cy="0"/>
+          <a:chOff x="0" y="0"/>
+          <a:chExt cx="0" cy="0"/>
+        </a:xfrm>
+      </p:grpSpPr>
+      <p:sp>
+        <p:nvSpPr>
+          <p:cNvPr id="2" name="Title 1">
+            <a:extLst>
+              <a:ext uri="{FF2B5EF4-FFF2-40B4-BE49-F238E27FC236}">
+                <a16:creationId xmlns:a16="http://schemas.microsoft.com/office/drawing/2014/main" id="{A6D1184C-CA3A-41DF-956E-9A6F0E73CC3D}"/>
+              </a:ext>
+            </a:extLst>
+          </p:cNvPr>
+          <p:cNvSpPr>
+            <a:spLocks noGrp="1"/>
+          </p:cNvSpPr>
+          <p:nvPr>
+            <p:ph type="title"/>
+          </p:nvPr>
+        </p:nvSpPr>
+        <p:spPr>
+          <a:xfrm>
+            <a:off x="1097280" y="286604"/>
+            <a:ext cx="10058400" cy="758426"/>
+          </a:xfrm>
+        </p:spPr>
+        <p:txBody>
+          <a:bodyPr/>
+          <a:lstStyle/>
+          <a:p>
+            <a:endParaRPr lang="en-GB" dirty="0"/>
+          </a:p>
+        </p:txBody>
+      </p:sp>
+      <p:sp>
+        <p:nvSpPr>
+          <p:cNvPr id="4" name="Rectangle: Rounded Corners 3">
+            <a:extLst>
+              <a:ext uri="{FF2B5EF4-FFF2-40B4-BE49-F238E27FC236}">
+                <a16:creationId xmlns:a16="http://schemas.microsoft.com/office/drawing/2014/main" id="{3E2A964C-8B75-4DC1-BB98-06DBFA2F4D19}"/>
+              </a:ext>
+            </a:extLst>
+          </p:cNvPr>
+          <p:cNvSpPr/>
+          <p:nvPr/>
+        </p:nvSpPr>
+        <p:spPr>
+          <a:xfrm>
+            <a:off x="1097282" y="1205878"/>
+            <a:ext cx="1098115" cy="611019"/>
+          </a:xfrm>
+          <a:prstGeom prst="roundRect">
+            <a:avLst/>
+          </a:prstGeom>
+        </p:spPr>
+        <p:style>
+          <a:lnRef idx="2">
+            <a:schemeClr val="dk1">
+              <a:shade val="50000"/>
+            </a:schemeClr>
+          </a:lnRef>
+          <a:fillRef idx="1">
+            <a:schemeClr val="dk1"/>
+          </a:fillRef>
+          <a:effectRef idx="0">
+            <a:schemeClr val="dk1"/>
+          </a:effectRef>
+          <a:fontRef idx="minor">
+            <a:schemeClr val="lt1"/>
+          </a:fontRef>
+        </p:style>
+        <p:txBody>
+          <a:bodyPr rtlCol="0" anchor="ctr"/>
+          <a:lstStyle/>
+          <a:p>
+            <a:pPr algn="ctr"/>
+            <a:r>
+              <a:rPr lang="da-DK" dirty="0"/>
+              <a:t>Access Website</a:t>
+            </a:r>
+            <a:endParaRPr lang="en-GB" dirty="0"/>
+          </a:p>
+        </p:txBody>
+      </p:sp>
+      <p:sp>
+        <p:nvSpPr>
+          <p:cNvPr id="5" name="Rectangle 4">
+            <a:extLst>
+              <a:ext uri="{FF2B5EF4-FFF2-40B4-BE49-F238E27FC236}">
+                <a16:creationId xmlns:a16="http://schemas.microsoft.com/office/drawing/2014/main" id="{9576FE5B-9732-4536-BCA6-747116160A34}"/>
+              </a:ext>
+            </a:extLst>
+          </p:cNvPr>
+          <p:cNvSpPr/>
+          <p:nvPr/>
+        </p:nvSpPr>
+        <p:spPr>
+          <a:xfrm>
+            <a:off x="2675408" y="1205877"/>
+            <a:ext cx="1098115" cy="611019"/>
+          </a:xfrm>
+          <a:prstGeom prst="rect">
+            <a:avLst/>
+          </a:prstGeom>
+        </p:spPr>
+        <p:style>
+          <a:lnRef idx="2">
+            <a:schemeClr val="dk1">
+              <a:shade val="50000"/>
+            </a:schemeClr>
+          </a:lnRef>
+          <a:fillRef idx="1">
+            <a:schemeClr val="dk1"/>
+          </a:fillRef>
+          <a:effectRef idx="0">
+            <a:schemeClr val="dk1"/>
+          </a:effectRef>
+          <a:fontRef idx="minor">
+            <a:schemeClr val="lt1"/>
+          </a:fontRef>
+        </p:style>
+        <p:txBody>
+          <a:bodyPr rtlCol="0" anchor="ctr"/>
+          <a:lstStyle/>
+          <a:p>
+            <a:pPr algn="ctr"/>
+            <a:r>
+              <a:rPr lang="da-DK" dirty="0"/>
+              <a:t>Landing Page</a:t>
+            </a:r>
+            <a:endParaRPr lang="en-GB" dirty="0"/>
+          </a:p>
+        </p:txBody>
+      </p:sp>
+      <p:sp>
+        <p:nvSpPr>
+          <p:cNvPr id="6" name="Diamond 5">
+            <a:extLst>
+              <a:ext uri="{FF2B5EF4-FFF2-40B4-BE49-F238E27FC236}">
+                <a16:creationId xmlns:a16="http://schemas.microsoft.com/office/drawing/2014/main" id="{842DBF1A-AD01-4C10-904B-F06A5A169E4A}"/>
+              </a:ext>
+            </a:extLst>
+          </p:cNvPr>
+          <p:cNvSpPr/>
+          <p:nvPr/>
+        </p:nvSpPr>
+        <p:spPr>
+          <a:xfrm>
+            <a:off x="4405934" y="1205876"/>
+            <a:ext cx="1098115" cy="611019"/>
+          </a:xfrm>
+          <a:prstGeom prst="diamond">
+            <a:avLst/>
+          </a:prstGeom>
+        </p:spPr>
+        <p:style>
+          <a:lnRef idx="2">
+            <a:schemeClr val="dk1">
+              <a:shade val="50000"/>
+            </a:schemeClr>
+          </a:lnRef>
+          <a:fillRef idx="1">
+            <a:schemeClr val="dk1"/>
+          </a:fillRef>
+          <a:effectRef idx="0">
+            <a:schemeClr val="dk1"/>
+          </a:effectRef>
+          <a:fontRef idx="minor">
+            <a:schemeClr val="lt1"/>
+          </a:fontRef>
+        </p:style>
+        <p:txBody>
+          <a:bodyPr wrap="none" lIns="0" tIns="0" rIns="0" bIns="0" rtlCol="0" anchor="ctr"/>
+          <a:lstStyle/>
+          <a:p>
+            <a:pPr algn="ctr"/>
+            <a:r>
+              <a:rPr lang="da-DK" dirty="0"/>
+              <a:t>Options</a:t>
+            </a:r>
+            <a:endParaRPr lang="en-GB" dirty="0"/>
+          </a:p>
+        </p:txBody>
+      </p:sp>
+      <p:sp>
+        <p:nvSpPr>
+          <p:cNvPr id="7" name="Rectangle 6">
+            <a:extLst>
+              <a:ext uri="{FF2B5EF4-FFF2-40B4-BE49-F238E27FC236}">
+                <a16:creationId xmlns:a16="http://schemas.microsoft.com/office/drawing/2014/main" id="{4EC6A98A-D01F-407B-A157-61977D671904}"/>
+              </a:ext>
+            </a:extLst>
+          </p:cNvPr>
+          <p:cNvSpPr/>
+          <p:nvPr/>
+        </p:nvSpPr>
+        <p:spPr>
+          <a:xfrm>
+            <a:off x="4405934" y="2715361"/>
+            <a:ext cx="1098115" cy="611019"/>
+          </a:xfrm>
+          <a:prstGeom prst="rect">
+            <a:avLst/>
+          </a:prstGeom>
+        </p:spPr>
+        <p:style>
+          <a:lnRef idx="2">
+            <a:schemeClr val="dk1">
+              <a:shade val="50000"/>
+            </a:schemeClr>
+          </a:lnRef>
+          <a:fillRef idx="1">
+            <a:schemeClr val="dk1"/>
+          </a:fillRef>
+          <a:effectRef idx="0">
+            <a:schemeClr val="dk1"/>
+          </a:effectRef>
+          <a:fontRef idx="minor">
+            <a:schemeClr val="lt1"/>
+          </a:fontRef>
+        </p:style>
+        <p:txBody>
+          <a:bodyPr wrap="square" rtlCol="0" anchor="ctr">
+            <a:normAutofit lnSpcReduction="10000"/>
+          </a:bodyPr>
+          <a:lstStyle/>
+          <a:p>
+            <a:pPr algn="ctr"/>
+            <a:r>
+              <a:rPr lang="da-DK" dirty="0"/>
+              <a:t>Strength</a:t>
+            </a:r>
+          </a:p>
+          <a:p>
+            <a:pPr algn="ctr"/>
+            <a:r>
+              <a:rPr lang="da-DK" dirty="0"/>
+              <a:t>Detail</a:t>
+            </a:r>
+            <a:endParaRPr lang="en-GB" dirty="0"/>
+          </a:p>
+        </p:txBody>
+      </p:sp>
+      <p:sp>
+        <p:nvSpPr>
+          <p:cNvPr id="8" name="Rectangle 7">
+            <a:extLst>
+              <a:ext uri="{FF2B5EF4-FFF2-40B4-BE49-F238E27FC236}">
+                <a16:creationId xmlns:a16="http://schemas.microsoft.com/office/drawing/2014/main" id="{61C5D53B-94C9-4AC4-8C31-3693B0117C90}"/>
+              </a:ext>
+            </a:extLst>
+          </p:cNvPr>
+          <p:cNvSpPr/>
+          <p:nvPr/>
+        </p:nvSpPr>
+        <p:spPr>
+          <a:xfrm>
+            <a:off x="1097281" y="2715362"/>
+            <a:ext cx="1098115" cy="611019"/>
+          </a:xfrm>
+          <a:prstGeom prst="rect">
+            <a:avLst/>
+          </a:prstGeom>
+        </p:spPr>
+        <p:style>
+          <a:lnRef idx="2">
+            <a:schemeClr val="dk1">
+              <a:shade val="50000"/>
+            </a:schemeClr>
+          </a:lnRef>
+          <a:fillRef idx="1">
+            <a:schemeClr val="dk1"/>
+          </a:fillRef>
+          <a:effectRef idx="0">
+            <a:schemeClr val="dk1"/>
+          </a:effectRef>
+          <a:fontRef idx="minor">
+            <a:schemeClr val="lt1"/>
+          </a:fontRef>
+        </p:style>
+        <p:txBody>
+          <a:bodyPr wrap="square" rtlCol="0" anchor="ctr">
+            <a:normAutofit lnSpcReduction="10000"/>
+          </a:bodyPr>
+          <a:lstStyle/>
+          <a:p>
+            <a:pPr algn="ctr"/>
+            <a:r>
+              <a:rPr lang="da-DK" dirty="0"/>
+              <a:t>Cardio Detail</a:t>
+            </a:r>
+            <a:endParaRPr lang="en-GB" dirty="0"/>
+          </a:p>
+        </p:txBody>
+      </p:sp>
+      <p:sp>
+        <p:nvSpPr>
+          <p:cNvPr id="9" name="Rectangle 8">
+            <a:extLst>
+              <a:ext uri="{FF2B5EF4-FFF2-40B4-BE49-F238E27FC236}">
+                <a16:creationId xmlns:a16="http://schemas.microsoft.com/office/drawing/2014/main" id="{F4BC141C-04E8-460C-84E3-99CA43AFA51B}"/>
+              </a:ext>
+            </a:extLst>
+          </p:cNvPr>
+          <p:cNvSpPr/>
+          <p:nvPr/>
+        </p:nvSpPr>
+        <p:spPr>
+          <a:xfrm>
+            <a:off x="2675407" y="2716553"/>
+            <a:ext cx="1098115" cy="611019"/>
+          </a:xfrm>
+          <a:prstGeom prst="rect">
+            <a:avLst/>
+          </a:prstGeom>
+        </p:spPr>
+        <p:style>
+          <a:lnRef idx="2">
+            <a:schemeClr val="dk1">
+              <a:shade val="50000"/>
+            </a:schemeClr>
+          </a:lnRef>
+          <a:fillRef idx="1">
+            <a:schemeClr val="dk1"/>
+          </a:fillRef>
+          <a:effectRef idx="0">
+            <a:schemeClr val="dk1"/>
+          </a:effectRef>
+          <a:fontRef idx="minor">
+            <a:schemeClr val="lt1"/>
+          </a:fontRef>
+        </p:style>
+        <p:txBody>
+          <a:bodyPr wrap="square" rtlCol="0" anchor="ctr">
+            <a:normAutofit lnSpcReduction="10000"/>
+          </a:bodyPr>
+          <a:lstStyle/>
+          <a:p>
+            <a:pPr algn="ctr"/>
+            <a:r>
+              <a:rPr lang="da-DK" dirty="0"/>
+              <a:t>Hypertro</a:t>
+            </a:r>
+          </a:p>
+          <a:p>
+            <a:pPr algn="ctr"/>
+            <a:r>
+              <a:rPr lang="da-DK" dirty="0"/>
+              <a:t>Detail</a:t>
+            </a:r>
+            <a:endParaRPr lang="en-GB" dirty="0"/>
+          </a:p>
+        </p:txBody>
+      </p:sp>
+      <p:cxnSp>
+        <p:nvCxnSpPr>
+          <p:cNvPr id="10" name="Connector: Elbow 9">
+            <a:extLst>
+              <a:ext uri="{FF2B5EF4-FFF2-40B4-BE49-F238E27FC236}">
+                <a16:creationId xmlns:a16="http://schemas.microsoft.com/office/drawing/2014/main" id="{73F61BD7-1A0E-4493-87AB-823D667F0FB5}"/>
+              </a:ext>
+            </a:extLst>
+          </p:cNvPr>
+          <p:cNvCxnSpPr>
+            <a:stCxn id="4" idx="3"/>
+            <a:endCxn id="5" idx="1"/>
+          </p:cNvCxnSpPr>
+          <p:nvPr/>
+        </p:nvCxnSpPr>
+        <p:spPr>
+          <a:xfrm flipV="1">
+            <a:off x="2195397" y="1511387"/>
+            <a:ext cx="480011" cy="1"/>
+          </a:xfrm>
+          <a:prstGeom prst="bentConnector3">
+            <a:avLst/>
+          </a:prstGeom>
+          <a:ln>
+            <a:tailEnd type="triangle"/>
+          </a:ln>
+        </p:spPr>
+        <p:style>
+          <a:lnRef idx="1">
+            <a:schemeClr val="dk1"/>
+          </a:lnRef>
+          <a:fillRef idx="0">
+            <a:schemeClr val="dk1"/>
+          </a:fillRef>
+          <a:effectRef idx="0">
+            <a:schemeClr val="dk1"/>
+          </a:effectRef>
+          <a:fontRef idx="minor">
+            <a:schemeClr val="tx1"/>
+          </a:fontRef>
+        </p:style>
+      </p:cxnSp>
+      <p:cxnSp>
+        <p:nvCxnSpPr>
+          <p:cNvPr id="11" name="Connector: Elbow 10">
+            <a:extLst>
+              <a:ext uri="{FF2B5EF4-FFF2-40B4-BE49-F238E27FC236}">
+                <a16:creationId xmlns:a16="http://schemas.microsoft.com/office/drawing/2014/main" id="{1D6C79B6-7048-44BD-8F8D-9D63CC245427}"/>
+              </a:ext>
+            </a:extLst>
+          </p:cNvPr>
+          <p:cNvCxnSpPr>
+            <a:stCxn id="5" idx="3"/>
+            <a:endCxn id="6" idx="1"/>
+          </p:cNvCxnSpPr>
+          <p:nvPr/>
+        </p:nvCxnSpPr>
+        <p:spPr>
+          <a:xfrm flipV="1">
+            <a:off x="3773523" y="1511386"/>
+            <a:ext cx="632411" cy="1"/>
+          </a:xfrm>
+          <a:prstGeom prst="bentConnector3">
+            <a:avLst/>
+          </a:prstGeom>
+          <a:ln>
+            <a:tailEnd type="triangle"/>
+          </a:ln>
+        </p:spPr>
+        <p:style>
+          <a:lnRef idx="1">
+            <a:schemeClr val="dk1"/>
+          </a:lnRef>
+          <a:fillRef idx="0">
+            <a:schemeClr val="dk1"/>
+          </a:fillRef>
+          <a:effectRef idx="0">
+            <a:schemeClr val="dk1"/>
+          </a:effectRef>
+          <a:fontRef idx="minor">
+            <a:schemeClr val="tx1"/>
+          </a:fontRef>
+        </p:style>
+      </p:cxnSp>
+      <p:cxnSp>
+        <p:nvCxnSpPr>
+          <p:cNvPr id="12" name="Connector: Elbow 11">
+            <a:extLst>
+              <a:ext uri="{FF2B5EF4-FFF2-40B4-BE49-F238E27FC236}">
+                <a16:creationId xmlns:a16="http://schemas.microsoft.com/office/drawing/2014/main" id="{8007E190-4FAB-4CB1-856F-62BC331DFA80}"/>
+              </a:ext>
+            </a:extLst>
+          </p:cNvPr>
+          <p:cNvCxnSpPr>
+            <a:cxnSpLocks/>
+            <a:stCxn id="6" idx="0"/>
+            <a:endCxn id="7" idx="3"/>
+          </p:cNvCxnSpPr>
+          <p:nvPr/>
+        </p:nvCxnSpPr>
+        <p:spPr>
+          <a:xfrm rot="16200000" flipH="1">
+            <a:off x="4322022" y="1838845"/>
+            <a:ext cx="1814995" cy="549057"/>
+          </a:xfrm>
+          <a:prstGeom prst="bentConnector4">
+            <a:avLst>
+              <a:gd name="adj1" fmla="val -6997"/>
+              <a:gd name="adj2" fmla="val 228870"/>
+            </a:avLst>
+          </a:prstGeom>
+          <a:ln>
+            <a:tailEnd type="triangle"/>
+          </a:ln>
+        </p:spPr>
+        <p:style>
+          <a:lnRef idx="1">
+            <a:schemeClr val="dk1"/>
+          </a:lnRef>
+          <a:fillRef idx="0">
+            <a:schemeClr val="dk1"/>
+          </a:fillRef>
+          <a:effectRef idx="0">
+            <a:schemeClr val="dk1"/>
+          </a:effectRef>
+          <a:fontRef idx="minor">
+            <a:schemeClr val="tx1"/>
+          </a:fontRef>
+        </p:style>
+      </p:cxnSp>
+      <p:cxnSp>
+        <p:nvCxnSpPr>
+          <p:cNvPr id="13" name="Connector: Elbow 12">
+            <a:extLst>
+              <a:ext uri="{FF2B5EF4-FFF2-40B4-BE49-F238E27FC236}">
+                <a16:creationId xmlns:a16="http://schemas.microsoft.com/office/drawing/2014/main" id="{BAB6EBEC-60E0-4A0F-B42B-2B2B0E461867}"/>
+              </a:ext>
+            </a:extLst>
+          </p:cNvPr>
+          <p:cNvCxnSpPr>
+            <a:cxnSpLocks/>
+            <a:stCxn id="6" idx="3"/>
+            <a:endCxn id="9" idx="0"/>
+          </p:cNvCxnSpPr>
+          <p:nvPr/>
+        </p:nvCxnSpPr>
+        <p:spPr>
+          <a:xfrm flipH="1">
+            <a:off x="3224465" y="1511386"/>
+            <a:ext cx="2279584" cy="1205167"/>
+          </a:xfrm>
+          <a:prstGeom prst="bentConnector4">
+            <a:avLst>
+              <a:gd name="adj1" fmla="val -10028"/>
+              <a:gd name="adj2" fmla="val 62675"/>
+            </a:avLst>
+          </a:prstGeom>
+          <a:ln>
+            <a:tailEnd type="triangle"/>
+          </a:ln>
+        </p:spPr>
+        <p:style>
+          <a:lnRef idx="1">
+            <a:schemeClr val="dk1"/>
+          </a:lnRef>
+          <a:fillRef idx="0">
+            <a:schemeClr val="dk1"/>
+          </a:fillRef>
+          <a:effectRef idx="0">
+            <a:schemeClr val="dk1"/>
+          </a:effectRef>
+          <a:fontRef idx="minor">
+            <a:schemeClr val="tx1"/>
+          </a:fontRef>
+        </p:style>
+      </p:cxnSp>
+      <p:cxnSp>
+        <p:nvCxnSpPr>
+          <p:cNvPr id="14" name="Connector: Elbow 13">
+            <a:extLst>
+              <a:ext uri="{FF2B5EF4-FFF2-40B4-BE49-F238E27FC236}">
+                <a16:creationId xmlns:a16="http://schemas.microsoft.com/office/drawing/2014/main" id="{57B8A7C4-5814-4064-93DD-DAC506F5EDD6}"/>
+              </a:ext>
+            </a:extLst>
+          </p:cNvPr>
+          <p:cNvCxnSpPr>
+            <a:stCxn id="6" idx="2"/>
+            <a:endCxn id="8" idx="0"/>
+          </p:cNvCxnSpPr>
+          <p:nvPr/>
+        </p:nvCxnSpPr>
+        <p:spPr>
+          <a:xfrm rot="5400000">
+            <a:off x="2851433" y="611802"/>
+            <a:ext cx="898467" cy="3308653"/>
+          </a:xfrm>
+          <a:prstGeom prst="bentConnector3">
+            <a:avLst/>
+          </a:prstGeom>
+          <a:ln>
+            <a:tailEnd type="triangle"/>
+          </a:ln>
+        </p:spPr>
+        <p:style>
+          <a:lnRef idx="1">
+            <a:schemeClr val="dk1"/>
+          </a:lnRef>
+          <a:fillRef idx="0">
+            <a:schemeClr val="dk1"/>
+          </a:fillRef>
+          <a:effectRef idx="0">
+            <a:schemeClr val="dk1"/>
+          </a:effectRef>
+          <a:fontRef idx="minor">
+            <a:schemeClr val="tx1"/>
+          </a:fontRef>
+        </p:style>
+      </p:cxnSp>
+      <p:sp>
+        <p:nvSpPr>
+          <p:cNvPr id="15" name="Rectangle 14">
+            <a:extLst>
+              <a:ext uri="{FF2B5EF4-FFF2-40B4-BE49-F238E27FC236}">
+                <a16:creationId xmlns:a16="http://schemas.microsoft.com/office/drawing/2014/main" id="{38AE37B6-9104-4BA8-8C60-AD12E9079B90}"/>
+              </a:ext>
+            </a:extLst>
+          </p:cNvPr>
+          <p:cNvSpPr/>
+          <p:nvPr/>
+        </p:nvSpPr>
+        <p:spPr>
+          <a:xfrm>
+            <a:off x="1097280" y="5734330"/>
+            <a:ext cx="1098115" cy="611019"/>
+          </a:xfrm>
+          <a:prstGeom prst="rect">
+            <a:avLst/>
+          </a:prstGeom>
+        </p:spPr>
+        <p:style>
+          <a:lnRef idx="2">
+            <a:schemeClr val="dk1">
+              <a:shade val="50000"/>
+            </a:schemeClr>
+          </a:lnRef>
+          <a:fillRef idx="1">
+            <a:schemeClr val="dk1"/>
+          </a:fillRef>
+          <a:effectRef idx="0">
+            <a:schemeClr val="dk1"/>
+          </a:effectRef>
+          <a:fontRef idx="minor">
+            <a:schemeClr val="lt1"/>
+          </a:fontRef>
+        </p:style>
+        <p:txBody>
+          <a:bodyPr wrap="square" rtlCol="0" anchor="ctr">
+            <a:normAutofit lnSpcReduction="10000"/>
+          </a:bodyPr>
+          <a:lstStyle/>
+          <a:p>
+            <a:pPr algn="ctr"/>
+            <a:r>
+              <a:rPr lang="da-DK" dirty="0"/>
+              <a:t>Cardio Detail</a:t>
+            </a:r>
+            <a:endParaRPr lang="en-GB" dirty="0"/>
+          </a:p>
+        </p:txBody>
+      </p:sp>
+      <p:sp>
+        <p:nvSpPr>
+          <p:cNvPr id="16" name="Rectangle 15">
+            <a:extLst>
+              <a:ext uri="{FF2B5EF4-FFF2-40B4-BE49-F238E27FC236}">
+                <a16:creationId xmlns:a16="http://schemas.microsoft.com/office/drawing/2014/main" id="{54A8555D-1888-4730-9030-09875CFF1AA0}"/>
+              </a:ext>
+            </a:extLst>
+          </p:cNvPr>
+          <p:cNvSpPr/>
+          <p:nvPr/>
+        </p:nvSpPr>
+        <p:spPr>
+          <a:xfrm>
+            <a:off x="1097281" y="4224846"/>
+            <a:ext cx="1098115" cy="611019"/>
+          </a:xfrm>
+          <a:prstGeom prst="rect">
+            <a:avLst/>
+          </a:prstGeom>
+        </p:spPr>
+        <p:style>
+          <a:lnRef idx="2">
+            <a:schemeClr val="dk1">
+              <a:shade val="50000"/>
+            </a:schemeClr>
+          </a:lnRef>
+          <a:fillRef idx="1">
+            <a:schemeClr val="dk1"/>
+          </a:fillRef>
+          <a:effectRef idx="0">
+            <a:schemeClr val="dk1"/>
+          </a:effectRef>
+          <a:fontRef idx="minor">
+            <a:schemeClr val="lt1"/>
+          </a:fontRef>
+        </p:style>
+        <p:txBody>
+          <a:bodyPr wrap="square" rtlCol="0" anchor="ctr">
+            <a:normAutofit lnSpcReduction="10000"/>
+          </a:bodyPr>
+          <a:lstStyle/>
+          <a:p>
+            <a:pPr algn="ctr"/>
+            <a:r>
+              <a:rPr lang="da-DK" dirty="0"/>
+              <a:t>Cardio Detail</a:t>
+            </a:r>
+            <a:endParaRPr lang="en-GB" dirty="0"/>
+          </a:p>
+        </p:txBody>
+      </p:sp>
+      <p:sp>
+        <p:nvSpPr>
+          <p:cNvPr id="17" name="Rectangle 16">
+            <a:extLst>
+              <a:ext uri="{FF2B5EF4-FFF2-40B4-BE49-F238E27FC236}">
+                <a16:creationId xmlns:a16="http://schemas.microsoft.com/office/drawing/2014/main" id="{5EF9D3AB-FAEE-495C-9BB3-571188AE0C10}"/>
+              </a:ext>
+            </a:extLst>
+          </p:cNvPr>
+          <p:cNvSpPr/>
+          <p:nvPr/>
+        </p:nvSpPr>
+        <p:spPr>
+          <a:xfrm>
+            <a:off x="2675406" y="4224845"/>
+            <a:ext cx="1098115" cy="611019"/>
+          </a:xfrm>
+          <a:prstGeom prst="rect">
+            <a:avLst/>
+          </a:prstGeom>
+        </p:spPr>
+        <p:style>
+          <a:lnRef idx="2">
+            <a:schemeClr val="dk1">
+              <a:shade val="50000"/>
+            </a:schemeClr>
+          </a:lnRef>
+          <a:fillRef idx="1">
+            <a:schemeClr val="dk1"/>
+          </a:fillRef>
+          <a:effectRef idx="0">
+            <a:schemeClr val="dk1"/>
+          </a:effectRef>
+          <a:fontRef idx="minor">
+            <a:schemeClr val="lt1"/>
+          </a:fontRef>
+        </p:style>
+        <p:txBody>
+          <a:bodyPr wrap="square" rtlCol="0" anchor="ctr">
+            <a:normAutofit lnSpcReduction="10000"/>
+          </a:bodyPr>
+          <a:lstStyle/>
+          <a:p>
+            <a:pPr algn="ctr"/>
+            <a:r>
+              <a:rPr lang="da-DK" dirty="0"/>
+              <a:t>Hypertro</a:t>
+            </a:r>
+          </a:p>
+          <a:p>
+            <a:pPr algn="ctr"/>
+            <a:r>
+              <a:rPr lang="da-DK" dirty="0"/>
+              <a:t>Detail</a:t>
+            </a:r>
+            <a:endParaRPr lang="en-GB" dirty="0"/>
+          </a:p>
+        </p:txBody>
+      </p:sp>
+      <p:sp>
+        <p:nvSpPr>
+          <p:cNvPr id="18" name="Rectangle 17">
+            <a:extLst>
+              <a:ext uri="{FF2B5EF4-FFF2-40B4-BE49-F238E27FC236}">
+                <a16:creationId xmlns:a16="http://schemas.microsoft.com/office/drawing/2014/main" id="{759C4E97-3FE6-4D3D-BF36-3FAEB4A2DCAF}"/>
+              </a:ext>
+            </a:extLst>
+          </p:cNvPr>
+          <p:cNvSpPr/>
+          <p:nvPr/>
+        </p:nvSpPr>
+        <p:spPr>
+          <a:xfrm>
+            <a:off x="4364257" y="4224844"/>
+            <a:ext cx="1098115" cy="611019"/>
+          </a:xfrm>
+          <a:prstGeom prst="rect">
+            <a:avLst/>
+          </a:prstGeom>
+        </p:spPr>
+        <p:style>
+          <a:lnRef idx="2">
+            <a:schemeClr val="dk1">
+              <a:shade val="50000"/>
+            </a:schemeClr>
+          </a:lnRef>
+          <a:fillRef idx="1">
+            <a:schemeClr val="dk1"/>
+          </a:fillRef>
+          <a:effectRef idx="0">
+            <a:schemeClr val="dk1"/>
+          </a:effectRef>
+          <a:fontRef idx="minor">
+            <a:schemeClr val="lt1"/>
+          </a:fontRef>
+        </p:style>
+        <p:txBody>
+          <a:bodyPr wrap="square" rtlCol="0" anchor="ctr">
+            <a:normAutofit lnSpcReduction="10000"/>
+          </a:bodyPr>
+          <a:lstStyle/>
+          <a:p>
+            <a:pPr algn="ctr"/>
+            <a:r>
+              <a:rPr lang="da-DK" dirty="0"/>
+              <a:t>Hypertro</a:t>
+            </a:r>
+          </a:p>
+          <a:p>
+            <a:pPr algn="ctr"/>
+            <a:r>
+              <a:rPr lang="da-DK" dirty="0"/>
+              <a:t>Detail</a:t>
+            </a:r>
+            <a:endParaRPr lang="en-GB" dirty="0"/>
+          </a:p>
+        </p:txBody>
+      </p:sp>
+    </p:spTree>
+    <p:extLst>
+      <p:ext uri="{BB962C8B-B14F-4D97-AF65-F5344CB8AC3E}">
+        <p14:creationId xmlns:p14="http://schemas.microsoft.com/office/powerpoint/2010/main" val="3801124820"/>
       </p:ext>
     </p:extLst>
   </p:cSld>
